--- a/Hinh Hoc/NOTES/Anh CON NO Em - Thay Hoang.pptx
+++ b/Hinh Hoc/NOTES/Anh CON NO Em - Thay Hoang.pptx
@@ -6,12 +6,13 @@
   </p:sldMasterIdLst>
   <p:sldIdLst>
     <p:sldId id="300" r:id="rId2"/>
-    <p:sldId id="304" r:id="rId3"/>
-    <p:sldId id="302" r:id="rId4"/>
-    <p:sldId id="299" r:id="rId5"/>
-    <p:sldId id="269" r:id="rId6"/>
-    <p:sldId id="303" r:id="rId7"/>
-    <p:sldId id="301" r:id="rId8"/>
+    <p:sldId id="305" r:id="rId3"/>
+    <p:sldId id="304" r:id="rId4"/>
+    <p:sldId id="302" r:id="rId5"/>
+    <p:sldId id="299" r:id="rId6"/>
+    <p:sldId id="269" r:id="rId7"/>
+    <p:sldId id="303" r:id="rId8"/>
+    <p:sldId id="301" r:id="rId9"/>
   </p:sldIdLst>
   <p:sldSz cx="12192000" cy="6858000"/>
   <p:notesSz cx="6858000" cy="9144000"/>
@@ -249,7 +250,7 @@
           <a:p>
             <a:fld id="{1DCD95A3-209B-4A3A-B84B-31D4978F125A}" type="datetimeFigureOut">
               <a:rPr lang="en-US" smtClean="0"/>
-              <a:t>5/23/2021</a:t>
+              <a:t>5/26/2021</a:t>
             </a:fld>
             <a:endParaRPr lang="en-US"/>
           </a:p>
@@ -419,7 +420,7 @@
           <a:p>
             <a:fld id="{1DCD95A3-209B-4A3A-B84B-31D4978F125A}" type="datetimeFigureOut">
               <a:rPr lang="en-US" smtClean="0"/>
-              <a:t>5/23/2021</a:t>
+              <a:t>5/26/2021</a:t>
             </a:fld>
             <a:endParaRPr lang="en-US"/>
           </a:p>
@@ -599,7 +600,7 @@
           <a:p>
             <a:fld id="{1DCD95A3-209B-4A3A-B84B-31D4978F125A}" type="datetimeFigureOut">
               <a:rPr lang="en-US" smtClean="0"/>
-              <a:t>5/23/2021</a:t>
+              <a:t>5/26/2021</a:t>
             </a:fld>
             <a:endParaRPr lang="en-US"/>
           </a:p>
@@ -769,7 +770,7 @@
           <a:p>
             <a:fld id="{1DCD95A3-209B-4A3A-B84B-31D4978F125A}" type="datetimeFigureOut">
               <a:rPr lang="en-US" smtClean="0"/>
-              <a:t>5/23/2021</a:t>
+              <a:t>5/26/2021</a:t>
             </a:fld>
             <a:endParaRPr lang="en-US"/>
           </a:p>
@@ -1015,7 +1016,7 @@
           <a:p>
             <a:fld id="{1DCD95A3-209B-4A3A-B84B-31D4978F125A}" type="datetimeFigureOut">
               <a:rPr lang="en-US" smtClean="0"/>
-              <a:t>5/23/2021</a:t>
+              <a:t>5/26/2021</a:t>
             </a:fld>
             <a:endParaRPr lang="en-US"/>
           </a:p>
@@ -1247,7 +1248,7 @@
           <a:p>
             <a:fld id="{1DCD95A3-209B-4A3A-B84B-31D4978F125A}" type="datetimeFigureOut">
               <a:rPr lang="en-US" smtClean="0"/>
-              <a:t>5/23/2021</a:t>
+              <a:t>5/26/2021</a:t>
             </a:fld>
             <a:endParaRPr lang="en-US"/>
           </a:p>
@@ -1614,7 +1615,7 @@
           <a:p>
             <a:fld id="{1DCD95A3-209B-4A3A-B84B-31D4978F125A}" type="datetimeFigureOut">
               <a:rPr lang="en-US" smtClean="0"/>
-              <a:t>5/23/2021</a:t>
+              <a:t>5/26/2021</a:t>
             </a:fld>
             <a:endParaRPr lang="en-US"/>
           </a:p>
@@ -1732,7 +1733,7 @@
           <a:p>
             <a:fld id="{1DCD95A3-209B-4A3A-B84B-31D4978F125A}" type="datetimeFigureOut">
               <a:rPr lang="en-US" smtClean="0"/>
-              <a:t>5/23/2021</a:t>
+              <a:t>5/26/2021</a:t>
             </a:fld>
             <a:endParaRPr lang="en-US"/>
           </a:p>
@@ -1827,7 +1828,7 @@
           <a:p>
             <a:fld id="{1DCD95A3-209B-4A3A-B84B-31D4978F125A}" type="datetimeFigureOut">
               <a:rPr lang="en-US" smtClean="0"/>
-              <a:t>5/23/2021</a:t>
+              <a:t>5/26/2021</a:t>
             </a:fld>
             <a:endParaRPr lang="en-US"/>
           </a:p>
@@ -2104,7 +2105,7 @@
           <a:p>
             <a:fld id="{1DCD95A3-209B-4A3A-B84B-31D4978F125A}" type="datetimeFigureOut">
               <a:rPr lang="en-US" smtClean="0"/>
-              <a:t>5/23/2021</a:t>
+              <a:t>5/26/2021</a:t>
             </a:fld>
             <a:endParaRPr lang="en-US"/>
           </a:p>
@@ -2357,7 +2358,7 @@
           <a:p>
             <a:fld id="{1DCD95A3-209B-4A3A-B84B-31D4978F125A}" type="datetimeFigureOut">
               <a:rPr lang="en-US" smtClean="0"/>
-              <a:t>5/23/2021</a:t>
+              <a:t>5/26/2021</a:t>
             </a:fld>
             <a:endParaRPr lang="en-US"/>
           </a:p>
@@ -2570,7 +2571,7 @@
           <a:p>
             <a:fld id="{1DCD95A3-209B-4A3A-B84B-31D4978F125A}" type="datetimeFigureOut">
               <a:rPr lang="en-US" smtClean="0"/>
-              <a:t>5/23/2021</a:t>
+              <a:t>5/26/2021</a:t>
             </a:fld>
             <a:endParaRPr lang="en-US"/>
           </a:p>
@@ -2977,6 +2978,60 @@
       </p:grpSpPr>
       <p:pic>
         <p:nvPicPr>
+          <p:cNvPr id="2" name="Picture 1"/>
+          <p:cNvPicPr>
+            <a:picLocks noChangeAspect="1"/>
+          </p:cNvPicPr>
+          <p:nvPr/>
+        </p:nvPicPr>
+        <p:blipFill>
+          <a:blip r:embed="rId2"/>
+          <a:stretch>
+            <a:fillRect/>
+          </a:stretch>
+        </p:blipFill>
+        <p:spPr>
+          <a:xfrm>
+            <a:off x="311426" y="0"/>
+            <a:ext cx="11569148" cy="6858000"/>
+          </a:xfrm>
+          <a:prstGeom prst="rect">
+            <a:avLst/>
+          </a:prstGeom>
+        </p:spPr>
+      </p:pic>
+    </p:spTree>
+    <p:extLst>
+      <p:ext uri="{BB962C8B-B14F-4D97-AF65-F5344CB8AC3E}">
+        <p14:creationId xmlns:p14="http://schemas.microsoft.com/office/powerpoint/2010/main" val="3256188932"/>
+      </p:ext>
+    </p:extLst>
+  </p:cSld>
+  <p:clrMapOvr>
+    <a:masterClrMapping/>
+  </p:clrMapOvr>
+</p:sld>
+</file>
+
+<file path=ppt/slides/slide2.xml><?xml version="1.0" encoding="utf-8"?>
+<p:sld xmlns:a="http://schemas.openxmlformats.org/drawingml/2006/main" xmlns:r="http://schemas.openxmlformats.org/officeDocument/2006/relationships" xmlns:p="http://schemas.openxmlformats.org/presentationml/2006/main">
+  <p:cSld>
+    <p:spTree>
+      <p:nvGrpSpPr>
+        <p:cNvPr id="1" name=""/>
+        <p:cNvGrpSpPr/>
+        <p:nvPr/>
+      </p:nvGrpSpPr>
+      <p:grpSpPr>
+        <a:xfrm>
+          <a:off x="0" y="0"/>
+          <a:ext cx="0" cy="0"/>
+          <a:chOff x="0" y="0"/>
+          <a:chExt cx="0" cy="0"/>
+        </a:xfrm>
+      </p:grpSpPr>
+      <p:pic>
+        <p:nvPicPr>
           <p:cNvPr id="4" name="Picture 3"/>
           <p:cNvPicPr>
             <a:picLocks noChangeAspect="1"/>
@@ -3002,7 +3057,7 @@
     </p:spTree>
     <p:extLst>
       <p:ext uri="{BB962C8B-B14F-4D97-AF65-F5344CB8AC3E}">
-        <p14:creationId xmlns:p14="http://schemas.microsoft.com/office/powerpoint/2010/main" val="3256188932"/>
+        <p14:creationId xmlns:p14="http://schemas.microsoft.com/office/powerpoint/2010/main" val="4014861152"/>
       </p:ext>
     </p:extLst>
   </p:cSld>
@@ -3012,7 +3067,7 @@
 </p:sld>
 </file>
 
-<file path=ppt/slides/slide2.xml><?xml version="1.0" encoding="utf-8"?>
+<file path=ppt/slides/slide3.xml><?xml version="1.0" encoding="utf-8"?>
 <p:sld xmlns:a="http://schemas.openxmlformats.org/drawingml/2006/main" xmlns:r="http://schemas.openxmlformats.org/officeDocument/2006/relationships" xmlns:p="http://schemas.openxmlformats.org/presentationml/2006/main">
   <p:cSld>
     <p:spTree>
@@ -3066,7 +3121,7 @@
 </p:sld>
 </file>
 
-<file path=ppt/slides/slide3.xml><?xml version="1.0" encoding="utf-8"?>
+<file path=ppt/slides/slide4.xml><?xml version="1.0" encoding="utf-8"?>
 <p:sld xmlns:a="http://schemas.openxmlformats.org/drawingml/2006/main" xmlns:r="http://schemas.openxmlformats.org/officeDocument/2006/relationships" xmlns:p="http://schemas.openxmlformats.org/presentationml/2006/main">
   <p:cSld>
     <p:spTree>
@@ -3120,7 +3175,7 @@
 </p:sld>
 </file>
 
-<file path=ppt/slides/slide4.xml><?xml version="1.0" encoding="utf-8"?>
+<file path=ppt/slides/slide5.xml><?xml version="1.0" encoding="utf-8"?>
 <p:sld xmlns:a="http://schemas.openxmlformats.org/drawingml/2006/main" xmlns:r="http://schemas.openxmlformats.org/officeDocument/2006/relationships" xmlns:p="http://schemas.openxmlformats.org/presentationml/2006/main">
   <p:cSld>
     <p:spTree>
@@ -3174,7 +3229,7 @@
 </p:sld>
 </file>
 
-<file path=ppt/slides/slide5.xml><?xml version="1.0" encoding="utf-8"?>
+<file path=ppt/slides/slide6.xml><?xml version="1.0" encoding="utf-8"?>
 <p:sld xmlns:a="http://schemas.openxmlformats.org/drawingml/2006/main" xmlns:r="http://schemas.openxmlformats.org/officeDocument/2006/relationships" xmlns:p="http://schemas.openxmlformats.org/presentationml/2006/main">
   <p:cSld>
     <p:spTree>
@@ -3228,7 +3283,7 @@
 </p:sld>
 </file>
 
-<file path=ppt/slides/slide6.xml><?xml version="1.0" encoding="utf-8"?>
+<file path=ppt/slides/slide7.xml><?xml version="1.0" encoding="utf-8"?>
 <p:sld xmlns:a="http://schemas.openxmlformats.org/drawingml/2006/main" xmlns:r="http://schemas.openxmlformats.org/officeDocument/2006/relationships" xmlns:p="http://schemas.openxmlformats.org/presentationml/2006/main">
   <p:cSld>
     <p:spTree>
@@ -3282,7 +3337,7 @@
 </p:sld>
 </file>
 
-<file path=ppt/slides/slide7.xml><?xml version="1.0" encoding="utf-8"?>
+<file path=ppt/slides/slide8.xml><?xml version="1.0" encoding="utf-8"?>
 <p:sld xmlns:a="http://schemas.openxmlformats.org/drawingml/2006/main" xmlns:r="http://schemas.openxmlformats.org/officeDocument/2006/relationships" xmlns:p="http://schemas.openxmlformats.org/presentationml/2006/main">
   <p:cSld>
     <p:spTree>
@@ -3299,6 +3354,30 @@
           <a:chExt cx="0" cy="0"/>
         </a:xfrm>
       </p:grpSpPr>
+      <p:pic>
+        <p:nvPicPr>
+          <p:cNvPr id="2" name="Picture 1"/>
+          <p:cNvPicPr>
+            <a:picLocks noChangeAspect="1"/>
+          </p:cNvPicPr>
+          <p:nvPr/>
+        </p:nvPicPr>
+        <p:blipFill>
+          <a:blip r:embed="rId2"/>
+          <a:stretch>
+            <a:fillRect/>
+          </a:stretch>
+        </p:blipFill>
+        <p:spPr>
+          <a:xfrm>
+            <a:off x="285657" y="0"/>
+            <a:ext cx="11620685" cy="6858000"/>
+          </a:xfrm>
+          <a:prstGeom prst="rect">
+            <a:avLst/>
+          </a:prstGeom>
+        </p:spPr>
+      </p:pic>
     </p:spTree>
     <p:extLst>
       <p:ext uri="{BB962C8B-B14F-4D97-AF65-F5344CB8AC3E}">

--- a/Hinh Hoc/NOTES/Anh CON NO Em - Thay Hoang.pptx
+++ b/Hinh Hoc/NOTES/Anh CON NO Em - Thay Hoang.pptx
@@ -250,7 +250,7 @@
           <a:p>
             <a:fld id="{1DCD95A3-209B-4A3A-B84B-31D4978F125A}" type="datetimeFigureOut">
               <a:rPr lang="en-US" smtClean="0"/>
-              <a:t>5/26/2021</a:t>
+              <a:t>5/29/2021</a:t>
             </a:fld>
             <a:endParaRPr lang="en-US"/>
           </a:p>
@@ -420,7 +420,7 @@
           <a:p>
             <a:fld id="{1DCD95A3-209B-4A3A-B84B-31D4978F125A}" type="datetimeFigureOut">
               <a:rPr lang="en-US" smtClean="0"/>
-              <a:t>5/26/2021</a:t>
+              <a:t>5/29/2021</a:t>
             </a:fld>
             <a:endParaRPr lang="en-US"/>
           </a:p>
@@ -600,7 +600,7 @@
           <a:p>
             <a:fld id="{1DCD95A3-209B-4A3A-B84B-31D4978F125A}" type="datetimeFigureOut">
               <a:rPr lang="en-US" smtClean="0"/>
-              <a:t>5/26/2021</a:t>
+              <a:t>5/29/2021</a:t>
             </a:fld>
             <a:endParaRPr lang="en-US"/>
           </a:p>
@@ -770,7 +770,7 @@
           <a:p>
             <a:fld id="{1DCD95A3-209B-4A3A-B84B-31D4978F125A}" type="datetimeFigureOut">
               <a:rPr lang="en-US" smtClean="0"/>
-              <a:t>5/26/2021</a:t>
+              <a:t>5/29/2021</a:t>
             </a:fld>
             <a:endParaRPr lang="en-US"/>
           </a:p>
@@ -1016,7 +1016,7 @@
           <a:p>
             <a:fld id="{1DCD95A3-209B-4A3A-B84B-31D4978F125A}" type="datetimeFigureOut">
               <a:rPr lang="en-US" smtClean="0"/>
-              <a:t>5/26/2021</a:t>
+              <a:t>5/29/2021</a:t>
             </a:fld>
             <a:endParaRPr lang="en-US"/>
           </a:p>
@@ -1248,7 +1248,7 @@
           <a:p>
             <a:fld id="{1DCD95A3-209B-4A3A-B84B-31D4978F125A}" type="datetimeFigureOut">
               <a:rPr lang="en-US" smtClean="0"/>
-              <a:t>5/26/2021</a:t>
+              <a:t>5/29/2021</a:t>
             </a:fld>
             <a:endParaRPr lang="en-US"/>
           </a:p>
@@ -1615,7 +1615,7 @@
           <a:p>
             <a:fld id="{1DCD95A3-209B-4A3A-B84B-31D4978F125A}" type="datetimeFigureOut">
               <a:rPr lang="en-US" smtClean="0"/>
-              <a:t>5/26/2021</a:t>
+              <a:t>5/29/2021</a:t>
             </a:fld>
             <a:endParaRPr lang="en-US"/>
           </a:p>
@@ -1733,7 +1733,7 @@
           <a:p>
             <a:fld id="{1DCD95A3-209B-4A3A-B84B-31D4978F125A}" type="datetimeFigureOut">
               <a:rPr lang="en-US" smtClean="0"/>
-              <a:t>5/26/2021</a:t>
+              <a:t>5/29/2021</a:t>
             </a:fld>
             <a:endParaRPr lang="en-US"/>
           </a:p>
@@ -1828,7 +1828,7 @@
           <a:p>
             <a:fld id="{1DCD95A3-209B-4A3A-B84B-31D4978F125A}" type="datetimeFigureOut">
               <a:rPr lang="en-US" smtClean="0"/>
-              <a:t>5/26/2021</a:t>
+              <a:t>5/29/2021</a:t>
             </a:fld>
             <a:endParaRPr lang="en-US"/>
           </a:p>
@@ -2105,7 +2105,7 @@
           <a:p>
             <a:fld id="{1DCD95A3-209B-4A3A-B84B-31D4978F125A}" type="datetimeFigureOut">
               <a:rPr lang="en-US" smtClean="0"/>
-              <a:t>5/26/2021</a:t>
+              <a:t>5/29/2021</a:t>
             </a:fld>
             <a:endParaRPr lang="en-US"/>
           </a:p>
@@ -2358,7 +2358,7 @@
           <a:p>
             <a:fld id="{1DCD95A3-209B-4A3A-B84B-31D4978F125A}" type="datetimeFigureOut">
               <a:rPr lang="en-US" smtClean="0"/>
-              <a:t>5/26/2021</a:t>
+              <a:t>5/29/2021</a:t>
             </a:fld>
             <a:endParaRPr lang="en-US"/>
           </a:p>
@@ -2571,7 +2571,7 @@
           <a:p>
             <a:fld id="{1DCD95A3-209B-4A3A-B84B-31D4978F125A}" type="datetimeFigureOut">
               <a:rPr lang="en-US" smtClean="0"/>
-              <a:t>5/26/2021</a:t>
+              <a:t>5/29/2021</a:t>
             </a:fld>
             <a:endParaRPr lang="en-US"/>
           </a:p>
